--- a/Supply Chain PPT.pptx
+++ b/Supply Chain PPT.pptx
@@ -1081,6 +1081,13 @@
         </dgm:presLayoutVars>
       </dgm:prSet>
       <dgm:spPr/>
+      <dgm:t>
+        <a:bodyPr/>
+        <a:lstStyle/>
+        <a:p>
+          <a:endParaRPr lang="en-US"/>
+        </a:p>
+      </dgm:t>
     </dgm:pt>
     <dgm:pt modelId="{571BC8D1-2DEC-4C0D-8341-15AAE20D5E32}" type="pres">
       <dgm:prSet presAssocID="{4911E3BE-FCAF-416D-AE15-600E005295E6}" presName="composite" presStyleCnt="0"/>
@@ -1105,6 +1112,13 @@
         </dgm:presLayoutVars>
       </dgm:prSet>
       <dgm:spPr/>
+      <dgm:t>
+        <a:bodyPr/>
+        <a:lstStyle/>
+        <a:p>
+          <a:endParaRPr lang="en-US"/>
+        </a:p>
+      </dgm:t>
     </dgm:pt>
     <dgm:pt modelId="{60D2D40B-BDE2-41E4-A95C-B7B13D9982F1}" type="pres">
       <dgm:prSet presAssocID="{922188F6-C162-408A-B503-E03DA04274A9}" presName="spacing" presStyleCnt="0"/>
@@ -1138,6 +1152,13 @@
         </dgm:presLayoutVars>
       </dgm:prSet>
       <dgm:spPr/>
+      <dgm:t>
+        <a:bodyPr/>
+        <a:lstStyle/>
+        <a:p>
+          <a:endParaRPr lang="en-US"/>
+        </a:p>
+      </dgm:t>
     </dgm:pt>
     <dgm:pt modelId="{CE5ED68A-C57C-459A-A6D8-45A951D6EE88}" type="pres">
       <dgm:prSet presAssocID="{674F0B01-29B9-40EA-BC89-3A3AC8FCB858}" presName="spacing" presStyleCnt="0"/>
@@ -1171,6 +1192,13 @@
         </dgm:presLayoutVars>
       </dgm:prSet>
       <dgm:spPr/>
+      <dgm:t>
+        <a:bodyPr/>
+        <a:lstStyle/>
+        <a:p>
+          <a:endParaRPr lang="en-US"/>
+        </a:p>
+      </dgm:t>
     </dgm:pt>
     <dgm:pt modelId="{3B15C1DD-067F-496F-A2D5-9D6C6014D923}" type="pres">
       <dgm:prSet presAssocID="{24B05510-975F-478B-927F-145DD53D86D9}" presName="spacing" presStyleCnt="0"/>
@@ -1199,6 +1227,13 @@
         </dgm:presLayoutVars>
       </dgm:prSet>
       <dgm:spPr/>
+      <dgm:t>
+        <a:bodyPr/>
+        <a:lstStyle/>
+        <a:p>
+          <a:endParaRPr lang="en-US"/>
+        </a:p>
+      </dgm:t>
     </dgm:pt>
     <dgm:pt modelId="{99A54CFB-BEE2-4033-8923-BB0CE7D1B9F1}" type="pres">
       <dgm:prSet presAssocID="{A3C92B5F-C0EE-4E6D-BD9D-D0D5A43EE7E4}" presName="spacing" presStyleCnt="0"/>
@@ -1227,20 +1262,27 @@
         </dgm:presLayoutVars>
       </dgm:prSet>
       <dgm:spPr/>
+      <dgm:t>
+        <a:bodyPr/>
+        <a:lstStyle/>
+        <a:p>
+          <a:endParaRPr lang="en-US"/>
+        </a:p>
+      </dgm:t>
     </dgm:pt>
   </dgm:ptLst>
   <dgm:cxnLst>
+    <dgm:cxn modelId="{C76C9EEC-0C87-41B3-A39F-952323F22325}" type="presOf" srcId="{4144FF5A-2E83-41FA-8844-6F095A8FABDD}" destId="{4D8131E9-241E-4DCC-9566-3BB837DE1430}" srcOrd="0" destOrd="0" presId="urn:microsoft.com/office/officeart/2005/8/layout/vList3"/>
+    <dgm:cxn modelId="{69FAA7B7-AF2C-488B-A112-F26B668EF158}" type="presOf" srcId="{744B9AAB-48DF-4707-8261-976262A54BA8}" destId="{7CD87081-4904-4A46-A30C-1CACFE1C9840}" srcOrd="0" destOrd="0" presId="urn:microsoft.com/office/officeart/2005/8/layout/vList3"/>
+    <dgm:cxn modelId="{5E38057B-1A24-4DCF-962B-8E22F23EE2D0}" type="presOf" srcId="{C53FDFD9-007C-4A32-9D7D-CE9341AE1CAC}" destId="{FBF4DF46-71E6-4107-944D-D988ED19A367}" srcOrd="0" destOrd="0" presId="urn:microsoft.com/office/officeart/2005/8/layout/vList3"/>
+    <dgm:cxn modelId="{A25F75DC-422D-400C-BBD7-5DBD3F958FA0}" srcId="{C53FDFD9-007C-4A32-9D7D-CE9341AE1CAC}" destId="{A737FC17-B799-4F92-A7BC-56B987253D35}" srcOrd="4" destOrd="0" parTransId="{FC3E7CD8-7A5F-4E22-A21F-EDCD7B22D06F}" sibTransId="{D2BB9DE4-2CC2-44D3-B105-89E1090A3CE4}"/>
+    <dgm:cxn modelId="{10978FD5-40D0-4510-A250-6AFEA8D9D303}" srcId="{C53FDFD9-007C-4A32-9D7D-CE9341AE1CAC}" destId="{4911E3BE-FCAF-416D-AE15-600E005295E6}" srcOrd="0" destOrd="0" parTransId="{9AF1ECAC-59A9-4C47-9B82-50046BC96562}" sibTransId="{922188F6-C162-408A-B503-E03DA04274A9}"/>
     <dgm:cxn modelId="{D4AC9449-C524-43D4-A7D3-F0E9B970694D}" type="presOf" srcId="{4911E3BE-FCAF-416D-AE15-600E005295E6}" destId="{72C32100-828F-4F2D-B286-415BE336B340}" srcOrd="0" destOrd="0" presId="urn:microsoft.com/office/officeart/2005/8/layout/vList3"/>
+    <dgm:cxn modelId="{2AAF4259-06F0-45D0-9D0E-23FA5CA1F934}" type="presOf" srcId="{559894A8-8F91-4048-B94C-63A61088C4BF}" destId="{1917ABFD-BC3F-4EFA-975A-F231819D67A5}" srcOrd="0" destOrd="0" presId="urn:microsoft.com/office/officeart/2005/8/layout/vList3"/>
+    <dgm:cxn modelId="{F56FB0D3-A893-4442-B9A9-49E72B7FF7EE}" srcId="{C53FDFD9-007C-4A32-9D7D-CE9341AE1CAC}" destId="{559894A8-8F91-4048-B94C-63A61088C4BF}" srcOrd="3" destOrd="0" parTransId="{D2B436F1-14AA-464E-9F60-1AAFEC9AF19B}" sibTransId="{A3C92B5F-C0EE-4E6D-BD9D-D0D5A43EE7E4}"/>
+    <dgm:cxn modelId="{6C1C01B1-7AE9-4161-84B7-00F6B6CBF2D5}" srcId="{C53FDFD9-007C-4A32-9D7D-CE9341AE1CAC}" destId="{744B9AAB-48DF-4707-8261-976262A54BA8}" srcOrd="2" destOrd="0" parTransId="{BC4236DC-DCB7-4651-A667-525254D974F9}" sibTransId="{24B05510-975F-478B-927F-145DD53D86D9}"/>
+    <dgm:cxn modelId="{5BE1427F-A958-4A80-AA6A-1E0C4872AB67}" srcId="{C53FDFD9-007C-4A32-9D7D-CE9341AE1CAC}" destId="{4144FF5A-2E83-41FA-8844-6F095A8FABDD}" srcOrd="1" destOrd="0" parTransId="{D29E2BE7-884D-4931-91A1-B19E0E087E4C}" sibTransId="{674F0B01-29B9-40EA-BC89-3A3AC8FCB858}"/>
     <dgm:cxn modelId="{9121ED52-BCA6-4CA7-BE7C-12EE676FA513}" type="presOf" srcId="{A737FC17-B799-4F92-A7BC-56B987253D35}" destId="{5935D964-F0E6-4288-B6E5-C9DFD1D6ACD0}" srcOrd="0" destOrd="0" presId="urn:microsoft.com/office/officeart/2005/8/layout/vList3"/>
-    <dgm:cxn modelId="{2AAF4259-06F0-45D0-9D0E-23FA5CA1F934}" type="presOf" srcId="{559894A8-8F91-4048-B94C-63A61088C4BF}" destId="{1917ABFD-BC3F-4EFA-975A-F231819D67A5}" srcOrd="0" destOrd="0" presId="urn:microsoft.com/office/officeart/2005/8/layout/vList3"/>
-    <dgm:cxn modelId="{5E38057B-1A24-4DCF-962B-8E22F23EE2D0}" type="presOf" srcId="{C53FDFD9-007C-4A32-9D7D-CE9341AE1CAC}" destId="{FBF4DF46-71E6-4107-944D-D988ED19A367}" srcOrd="0" destOrd="0" presId="urn:microsoft.com/office/officeart/2005/8/layout/vList3"/>
-    <dgm:cxn modelId="{5BE1427F-A958-4A80-AA6A-1E0C4872AB67}" srcId="{C53FDFD9-007C-4A32-9D7D-CE9341AE1CAC}" destId="{4144FF5A-2E83-41FA-8844-6F095A8FABDD}" srcOrd="1" destOrd="0" parTransId="{D29E2BE7-884D-4931-91A1-B19E0E087E4C}" sibTransId="{674F0B01-29B9-40EA-BC89-3A3AC8FCB858}"/>
-    <dgm:cxn modelId="{6C1C01B1-7AE9-4161-84B7-00F6B6CBF2D5}" srcId="{C53FDFD9-007C-4A32-9D7D-CE9341AE1CAC}" destId="{744B9AAB-48DF-4707-8261-976262A54BA8}" srcOrd="2" destOrd="0" parTransId="{BC4236DC-DCB7-4651-A667-525254D974F9}" sibTransId="{24B05510-975F-478B-927F-145DD53D86D9}"/>
-    <dgm:cxn modelId="{69FAA7B7-AF2C-488B-A112-F26B668EF158}" type="presOf" srcId="{744B9AAB-48DF-4707-8261-976262A54BA8}" destId="{7CD87081-4904-4A46-A30C-1CACFE1C9840}" srcOrd="0" destOrd="0" presId="urn:microsoft.com/office/officeart/2005/8/layout/vList3"/>
-    <dgm:cxn modelId="{F56FB0D3-A893-4442-B9A9-49E72B7FF7EE}" srcId="{C53FDFD9-007C-4A32-9D7D-CE9341AE1CAC}" destId="{559894A8-8F91-4048-B94C-63A61088C4BF}" srcOrd="3" destOrd="0" parTransId="{D2B436F1-14AA-464E-9F60-1AAFEC9AF19B}" sibTransId="{A3C92B5F-C0EE-4E6D-BD9D-D0D5A43EE7E4}"/>
-    <dgm:cxn modelId="{10978FD5-40D0-4510-A250-6AFEA8D9D303}" srcId="{C53FDFD9-007C-4A32-9D7D-CE9341AE1CAC}" destId="{4911E3BE-FCAF-416D-AE15-600E005295E6}" srcOrd="0" destOrd="0" parTransId="{9AF1ECAC-59A9-4C47-9B82-50046BC96562}" sibTransId="{922188F6-C162-408A-B503-E03DA04274A9}"/>
-    <dgm:cxn modelId="{A25F75DC-422D-400C-BBD7-5DBD3F958FA0}" srcId="{C53FDFD9-007C-4A32-9D7D-CE9341AE1CAC}" destId="{A737FC17-B799-4F92-A7BC-56B987253D35}" srcOrd="4" destOrd="0" parTransId="{FC3E7CD8-7A5F-4E22-A21F-EDCD7B22D06F}" sibTransId="{D2BB9DE4-2CC2-44D3-B105-89E1090A3CE4}"/>
-    <dgm:cxn modelId="{C76C9EEC-0C87-41B3-A39F-952323F22325}" type="presOf" srcId="{4144FF5A-2E83-41FA-8844-6F095A8FABDD}" destId="{4D8131E9-241E-4DCC-9566-3BB837DE1430}" srcOrd="0" destOrd="0" presId="urn:microsoft.com/office/officeart/2005/8/layout/vList3"/>
     <dgm:cxn modelId="{94C469E6-5C07-4CE0-9DBC-051EFC953026}" type="presParOf" srcId="{FBF4DF46-71E6-4107-944D-D988ED19A367}" destId="{571BC8D1-2DEC-4C0D-8341-15AAE20D5E32}" srcOrd="0" destOrd="0" presId="urn:microsoft.com/office/officeart/2005/8/layout/vList3"/>
     <dgm:cxn modelId="{29EB43CC-0435-4368-A572-48E5C709F690}" type="presParOf" srcId="{571BC8D1-2DEC-4C0D-8341-15AAE20D5E32}" destId="{E3701CFA-6EE6-45D2-8389-2DA7A1B451E2}" srcOrd="0" destOrd="0" presId="urn:microsoft.com/office/officeart/2005/8/layout/vList3"/>
     <dgm:cxn modelId="{76B444AF-58D7-4D70-B8F4-3F6909CF4339}" type="presParOf" srcId="{571BC8D1-2DEC-4C0D-8341-15AAE20D5E32}" destId="{72C32100-828F-4F2D-B286-415BE336B340}" srcOrd="1" destOrd="0" presId="urn:microsoft.com/office/officeart/2005/8/layout/vList3"/>
@@ -1333,7 +1375,7 @@
         </a:bodyPr>
         <a:lstStyle/>
         <a:p>
-          <a:pPr marL="0" lvl="0" indent="0" algn="ctr" defTabSz="1200150">
+          <a:pPr lvl="0" algn="ctr" defTabSz="1200150">
             <a:lnSpc>
               <a:spcPct val="90000"/>
             </a:lnSpc>
@@ -1343,7 +1385,6 @@
             <a:spcAft>
               <a:spcPct val="35000"/>
             </a:spcAft>
-            <a:buNone/>
           </a:pPr>
           <a:r>
             <a:rPr lang="en-US" sz="2700" kern="1200" dirty="0"/>
@@ -1456,7 +1497,7 @@
         </a:bodyPr>
         <a:lstStyle/>
         <a:p>
-          <a:pPr marL="0" lvl="0" indent="0" algn="ctr" defTabSz="1200150">
+          <a:pPr lvl="0" algn="ctr" defTabSz="1200150">
             <a:lnSpc>
               <a:spcPct val="90000"/>
             </a:lnSpc>
@@ -1466,7 +1507,6 @@
             <a:spcAft>
               <a:spcPct val="35000"/>
             </a:spcAft>
-            <a:buNone/>
           </a:pPr>
           <a:r>
             <a:rPr lang="en-US" sz="2700" kern="1200" dirty="0" err="1"/>
@@ -1588,7 +1628,7 @@
         </a:bodyPr>
         <a:lstStyle/>
         <a:p>
-          <a:pPr marL="0" lvl="0" indent="0" algn="ctr" defTabSz="1200150">
+          <a:pPr lvl="0" algn="ctr" defTabSz="1200150">
             <a:lnSpc>
               <a:spcPct val="90000"/>
             </a:lnSpc>
@@ -1598,7 +1638,6 @@
             <a:spcAft>
               <a:spcPct val="35000"/>
             </a:spcAft>
-            <a:buNone/>
           </a:pPr>
           <a:r>
             <a:rPr lang="en-US" sz="2700" kern="1200" dirty="0"/>
@@ -1711,7 +1750,7 @@
         </a:bodyPr>
         <a:lstStyle/>
         <a:p>
-          <a:pPr marL="0" lvl="0" indent="0" algn="ctr" defTabSz="1200150">
+          <a:pPr lvl="0" algn="ctr" defTabSz="1200150">
             <a:lnSpc>
               <a:spcPct val="90000"/>
             </a:lnSpc>
@@ -1721,7 +1760,6 @@
             <a:spcAft>
               <a:spcPct val="35000"/>
             </a:spcAft>
-            <a:buNone/>
           </a:pPr>
           <a:r>
             <a:rPr lang="en-US" sz="2700" kern="1200" dirty="0"/>
@@ -1834,7 +1872,7 @@
         </a:bodyPr>
         <a:lstStyle/>
         <a:p>
-          <a:pPr marL="0" lvl="0" indent="0" algn="ctr" defTabSz="1200150">
+          <a:pPr lvl="0" algn="ctr" defTabSz="1200150">
             <a:lnSpc>
               <a:spcPct val="90000"/>
             </a:lnSpc>
@@ -1844,7 +1882,6 @@
             <a:spcAft>
               <a:spcPct val="35000"/>
             </a:spcAft>
-            <a:buNone/>
           </a:pPr>
           <a:r>
             <a:rPr lang="en-US" sz="2700" kern="1200" dirty="0"/>
@@ -3292,7 +3329,7 @@
           <a:p>
             <a:fld id="{A379949A-3D17-47BF-A0E0-9AE31645ADFF}" type="datetimeFigureOut">
               <a:rPr lang="en-US" smtClean="0"/>
-              <a:t>5/9/2023</a:t>
+              <a:t>10/8/2023</a:t>
             </a:fld>
             <a:endParaRPr lang="en-US"/>
           </a:p>
@@ -3630,7 +3667,7 @@
           <a:p>
             <a:fld id="{A379949A-3D17-47BF-A0E0-9AE31645ADFF}" type="datetimeFigureOut">
               <a:rPr lang="en-US" smtClean="0"/>
-              <a:t>5/9/2023</a:t>
+              <a:t>10/8/2023</a:t>
             </a:fld>
             <a:endParaRPr lang="en-US"/>
           </a:p>
@@ -4031,7 +4068,7 @@
           <a:p>
             <a:fld id="{A379949A-3D17-47BF-A0E0-9AE31645ADFF}" type="datetimeFigureOut">
               <a:rPr lang="en-US" smtClean="0"/>
-              <a:t>5/9/2023</a:t>
+              <a:t>10/8/2023</a:t>
             </a:fld>
             <a:endParaRPr lang="en-US"/>
           </a:p>
@@ -4367,7 +4404,7 @@
           <a:p>
             <a:fld id="{A379949A-3D17-47BF-A0E0-9AE31645ADFF}" type="datetimeFigureOut">
               <a:rPr lang="en-US" smtClean="0"/>
-              <a:t>5/9/2023</a:t>
+              <a:t>10/8/2023</a:t>
             </a:fld>
             <a:endParaRPr lang="en-US"/>
           </a:p>
@@ -4687,7 +4724,7 @@
           <a:p>
             <a:fld id="{A379949A-3D17-47BF-A0E0-9AE31645ADFF}" type="datetimeFigureOut">
               <a:rPr lang="en-US" smtClean="0"/>
-              <a:t>5/9/2023</a:t>
+              <a:t>10/8/2023</a:t>
             </a:fld>
             <a:endParaRPr lang="en-US"/>
           </a:p>
@@ -5083,7 +5120,7 @@
           <a:p>
             <a:fld id="{A379949A-3D17-47BF-A0E0-9AE31645ADFF}" type="datetimeFigureOut">
               <a:rPr lang="en-US" smtClean="0"/>
-              <a:t>5/9/2023</a:t>
+              <a:t>10/8/2023</a:t>
             </a:fld>
             <a:endParaRPr lang="en-US"/>
           </a:p>
@@ -5340,7 +5377,7 @@
           <a:p>
             <a:fld id="{A379949A-3D17-47BF-A0E0-9AE31645ADFF}" type="datetimeFigureOut">
               <a:rPr lang="en-US" smtClean="0"/>
-              <a:t>5/9/2023</a:t>
+              <a:t>10/8/2023</a:t>
             </a:fld>
             <a:endParaRPr lang="en-US"/>
           </a:p>
@@ -5602,7 +5639,7 @@
           <a:p>
             <a:fld id="{A379949A-3D17-47BF-A0E0-9AE31645ADFF}" type="datetimeFigureOut">
               <a:rPr lang="en-US" smtClean="0"/>
-              <a:t>5/9/2023</a:t>
+              <a:t>10/8/2023</a:t>
             </a:fld>
             <a:endParaRPr lang="en-US"/>
           </a:p>
@@ -5864,7 +5901,7 @@
           <a:p>
             <a:fld id="{A379949A-3D17-47BF-A0E0-9AE31645ADFF}" type="datetimeFigureOut">
               <a:rPr lang="en-US" smtClean="0"/>
-              <a:t>5/9/2023</a:t>
+              <a:t>10/8/2023</a:t>
             </a:fld>
             <a:endParaRPr lang="en-US"/>
           </a:p>
@@ -6193,7 +6230,7 @@
           <a:p>
             <a:fld id="{A379949A-3D17-47BF-A0E0-9AE31645ADFF}" type="datetimeFigureOut">
               <a:rPr lang="en-US" smtClean="0"/>
-              <a:t>5/9/2023</a:t>
+              <a:t>10/8/2023</a:t>
             </a:fld>
             <a:endParaRPr lang="en-US"/>
           </a:p>
@@ -6516,7 +6553,7 @@
           <a:p>
             <a:fld id="{A379949A-3D17-47BF-A0E0-9AE31645ADFF}" type="datetimeFigureOut">
               <a:rPr lang="en-US" smtClean="0"/>
-              <a:t>5/9/2023</a:t>
+              <a:t>10/8/2023</a:t>
             </a:fld>
             <a:endParaRPr lang="en-US"/>
           </a:p>
@@ -6973,7 +7010,7 @@
           <a:p>
             <a:fld id="{A379949A-3D17-47BF-A0E0-9AE31645ADFF}" type="datetimeFigureOut">
               <a:rPr lang="en-US" smtClean="0"/>
-              <a:t>5/9/2023</a:t>
+              <a:t>10/8/2023</a:t>
             </a:fld>
             <a:endParaRPr lang="en-US"/>
           </a:p>
@@ -7178,7 +7215,7 @@
           <a:p>
             <a:fld id="{A379949A-3D17-47BF-A0E0-9AE31645ADFF}" type="datetimeFigureOut">
               <a:rPr lang="en-US" smtClean="0"/>
-              <a:t>5/9/2023</a:t>
+              <a:t>10/8/2023</a:t>
             </a:fld>
             <a:endParaRPr lang="en-US"/>
           </a:p>
@@ -7355,7 +7392,7 @@
           <a:p>
             <a:fld id="{A379949A-3D17-47BF-A0E0-9AE31645ADFF}" type="datetimeFigureOut">
               <a:rPr lang="en-US" smtClean="0"/>
-              <a:t>5/9/2023</a:t>
+              <a:t>10/8/2023</a:t>
             </a:fld>
             <a:endParaRPr lang="en-US"/>
           </a:p>
@@ -7688,7 +7725,7 @@
           <a:p>
             <a:fld id="{A379949A-3D17-47BF-A0E0-9AE31645ADFF}" type="datetimeFigureOut">
               <a:rPr lang="en-US" smtClean="0"/>
-              <a:t>5/9/2023</a:t>
+              <a:t>10/8/2023</a:t>
             </a:fld>
             <a:endParaRPr lang="en-US"/>
           </a:p>
@@ -8033,7 +8070,7 @@
           <a:p>
             <a:fld id="{A379949A-3D17-47BF-A0E0-9AE31645ADFF}" type="datetimeFigureOut">
               <a:rPr lang="en-US" smtClean="0"/>
-              <a:t>5/9/2023</a:t>
+              <a:t>10/8/2023</a:t>
             </a:fld>
             <a:endParaRPr lang="en-US"/>
           </a:p>
@@ -10150,7 +10187,7 @@
           <a:p>
             <a:fld id="{A379949A-3D17-47BF-A0E0-9AE31645ADFF}" type="datetimeFigureOut">
               <a:rPr lang="en-US" smtClean="0"/>
-              <a:t>5/9/2023</a:t>
+              <a:t>10/8/2023</a:t>
             </a:fld>
             <a:endParaRPr lang="en-US"/>
           </a:p>
@@ -11129,7 +11166,7 @@
                 <a14:useLocalDpi xmlns:a14="http://schemas.microsoft.com/office/drawing/2010/main" val="0"/>
               </a:ext>
               <a:ext uri="{837473B0-CC2E-450A-ABE3-18F120FF3D39}">
-                <a1611:picAttrSrcUrl xmlns:a1611="http://schemas.microsoft.com/office/drawing/2016/11/main" r:id="rId3"/>
+                <a1611:picAttrSrcUrl xmlns:a1611="http://schemas.microsoft.com/office/drawing/2016/11/main" xmlns="" r:id="rId3"/>
               </a:ext>
             </a:extLst>
           </a:blip>
@@ -11213,6 +11250,10 @@
               </a:rPr>
               <a:t>Supply Chain Management By:-</a:t>
             </a:r>
+            <a:r>
+              <a:rPr lang="en-IN" dirty="0"/>
+              <a:t/>
+            </a:r>
             <a:br>
               <a:rPr lang="en-IN" dirty="0"/>
             </a:br>
@@ -11450,7 +11491,7 @@
                 <a14:useLocalDpi xmlns:a14="http://schemas.microsoft.com/office/drawing/2010/main" val="0"/>
               </a:ext>
               <a:ext uri="{837473B0-CC2E-450A-ABE3-18F120FF3D39}">
-                <a1611:picAttrSrcUrl xmlns:a1611="http://schemas.microsoft.com/office/drawing/2016/11/main" r:id="rId3"/>
+                <a1611:picAttrSrcUrl xmlns:a1611="http://schemas.microsoft.com/office/drawing/2016/11/main" xmlns="" r:id="rId3"/>
               </a:ext>
             </a:extLst>
           </a:blip>
@@ -11600,7 +11641,7 @@
                 <a14:useLocalDpi xmlns:a14="http://schemas.microsoft.com/office/drawing/2010/main" val="0"/>
               </a:ext>
               <a:ext uri="{837473B0-CC2E-450A-ABE3-18F120FF3D39}">
-                <a1611:picAttrSrcUrl xmlns:a1611="http://schemas.microsoft.com/office/drawing/2016/11/main" r:id="rId3"/>
+                <a1611:picAttrSrcUrl xmlns:a1611="http://schemas.microsoft.com/office/drawing/2016/11/main" xmlns="" r:id="rId3"/>
               </a:ext>
             </a:extLst>
           </a:blip>
@@ -12544,7 +12585,7 @@
                 <a16:creationId xmlns:a16="http://schemas.microsoft.com/office/drawing/2014/main" id="{58DF5B7A-7785-49C6-B4EB-252FF28C2132}"/>
               </a:ext>
               <a:ext uri="{C183D7F6-B498-43B3-948B-1728B52AA6E4}">
-                <adec:decorative xmlns:adec="http://schemas.microsoft.com/office/drawing/2017/decorative" val="1"/>
+                <adec:decorative xmlns:adec="http://schemas.microsoft.com/office/drawing/2017/decorative" xmlns="" val="1"/>
               </a:ext>
             </a:extLst>
           </p:cNvPr>
@@ -12575,7 +12616,7 @@
                   <a16:creationId xmlns:a16="http://schemas.microsoft.com/office/drawing/2014/main" id="{78BD0529-90E2-47B4-8D13-CEE11A154183}"/>
                 </a:ext>
                 <a:ext uri="{C183D7F6-B498-43B3-948B-1728B52AA6E4}">
-                  <adec:decorative xmlns:adec="http://schemas.microsoft.com/office/drawing/2017/decorative" val="1"/>
+                  <adec:decorative xmlns:adec="http://schemas.microsoft.com/office/drawing/2017/decorative" xmlns="" val="1"/>
                 </a:ext>
               </a:extLst>
             </p:cNvPr>
@@ -12651,7 +12692,7 @@
                   <a16:creationId xmlns:a16="http://schemas.microsoft.com/office/drawing/2014/main" id="{AE127430-162B-43FD-A02F-6E8AD8FD95EA}"/>
                 </a:ext>
                 <a:ext uri="{C183D7F6-B498-43B3-948B-1728B52AA6E4}">
-                  <adec:decorative xmlns:adec="http://schemas.microsoft.com/office/drawing/2017/decorative" val="1"/>
+                  <adec:decorative xmlns:adec="http://schemas.microsoft.com/office/drawing/2017/decorative" xmlns="" val="1"/>
                 </a:ext>
               </a:extLst>
             </p:cNvPr>
@@ -12732,7 +12773,7 @@
                   <a16:creationId xmlns:a16="http://schemas.microsoft.com/office/drawing/2014/main" id="{7A6023CB-BCF4-4A3C-B04B-EFF677921718}"/>
                 </a:ext>
                 <a:ext uri="{C183D7F6-B498-43B3-948B-1728B52AA6E4}">
-                  <adec:decorative xmlns:adec="http://schemas.microsoft.com/office/drawing/2017/decorative" val="1"/>
+                  <adec:decorative xmlns:adec="http://schemas.microsoft.com/office/drawing/2017/decorative" xmlns="" val="1"/>
                 </a:ext>
               </a:extLst>
             </p:cNvPr>
@@ -12818,7 +12859,7 @@
                   <a16:creationId xmlns:a16="http://schemas.microsoft.com/office/drawing/2014/main" id="{98B0FCF0-0865-45E1-977A-5BFDD0EFCA87}"/>
                 </a:ext>
                 <a:ext uri="{C183D7F6-B498-43B3-948B-1728B52AA6E4}">
-                  <adec:decorative xmlns:adec="http://schemas.microsoft.com/office/drawing/2017/decorative" val="1"/>
+                  <adec:decorative xmlns:adec="http://schemas.microsoft.com/office/drawing/2017/decorative" xmlns="" val="1"/>
                 </a:ext>
               </a:extLst>
             </p:cNvPr>
@@ -12884,7 +12925,7 @@
                   <a16:creationId xmlns:a16="http://schemas.microsoft.com/office/drawing/2014/main" id="{C1FF2792-ADB4-44D2-B7EF-6E3503725DB9}"/>
                 </a:ext>
                 <a:ext uri="{C183D7F6-B498-43B3-948B-1728B52AA6E4}">
-                  <adec:decorative xmlns:adec="http://schemas.microsoft.com/office/drawing/2017/decorative" val="1"/>
+                  <adec:decorative xmlns:adec="http://schemas.microsoft.com/office/drawing/2017/decorative" xmlns="" val="1"/>
                 </a:ext>
               </a:extLst>
             </p:cNvPr>
@@ -12985,7 +13026,7 @@
                   <a16:creationId xmlns:a16="http://schemas.microsoft.com/office/drawing/2014/main" id="{B7B0F0A2-D4CD-4EA5-96E9-9E282F25CD05}"/>
                 </a:ext>
                 <a:ext uri="{C183D7F6-B498-43B3-948B-1728B52AA6E4}">
-                  <adec:decorative xmlns:adec="http://schemas.microsoft.com/office/drawing/2017/decorative" val="1"/>
+                  <adec:decorative xmlns:adec="http://schemas.microsoft.com/office/drawing/2017/decorative" xmlns="" val="1"/>
                 </a:ext>
               </a:extLst>
             </p:cNvPr>
@@ -13081,7 +13122,7 @@
                   <a16:creationId xmlns:a16="http://schemas.microsoft.com/office/drawing/2014/main" id="{FBBC4912-27C6-4C5E-9C40-AE9B6644E54A}"/>
                 </a:ext>
                 <a:ext uri="{C183D7F6-B498-43B3-948B-1728B52AA6E4}">
-                  <adec:decorative xmlns:adec="http://schemas.microsoft.com/office/drawing/2017/decorative" val="1"/>
+                  <adec:decorative xmlns:adec="http://schemas.microsoft.com/office/drawing/2017/decorative" xmlns="" val="1"/>
                 </a:ext>
               </a:extLst>
             </p:cNvPr>
@@ -13157,7 +13198,7 @@
                   <a16:creationId xmlns:a16="http://schemas.microsoft.com/office/drawing/2014/main" id="{127E474D-BE64-49E8-8C82-691642D0BCD1}"/>
                 </a:ext>
                 <a:ext uri="{C183D7F6-B498-43B3-948B-1728B52AA6E4}">
-                  <adec:decorative xmlns:adec="http://schemas.microsoft.com/office/drawing/2017/decorative" val="1"/>
+                  <adec:decorative xmlns:adec="http://schemas.microsoft.com/office/drawing/2017/decorative" xmlns="" val="1"/>
                 </a:ext>
               </a:extLst>
             </p:cNvPr>
@@ -13253,7 +13294,7 @@
                   <a16:creationId xmlns:a16="http://schemas.microsoft.com/office/drawing/2014/main" id="{A385E451-43CB-441B-83EE-28ACB6BCBC89}"/>
                 </a:ext>
                 <a:ext uri="{C183D7F6-B498-43B3-948B-1728B52AA6E4}">
-                  <adec:decorative xmlns:adec="http://schemas.microsoft.com/office/drawing/2017/decorative" val="1"/>
+                  <adec:decorative xmlns:adec="http://schemas.microsoft.com/office/drawing/2017/decorative" xmlns="" val="1"/>
                 </a:ext>
               </a:extLst>
             </p:cNvPr>
@@ -13384,7 +13425,7 @@
                   <a16:creationId xmlns:a16="http://schemas.microsoft.com/office/drawing/2014/main" id="{5BF91B89-051C-49D8-9029-83A1F52B0E38}"/>
                 </a:ext>
                 <a:ext uri="{C183D7F6-B498-43B3-948B-1728B52AA6E4}">
-                  <adec:decorative xmlns:adec="http://schemas.microsoft.com/office/drawing/2017/decorative" val="1"/>
+                  <adec:decorative xmlns:adec="http://schemas.microsoft.com/office/drawing/2017/decorative" xmlns="" val="1"/>
                 </a:ext>
               </a:extLst>
             </p:cNvPr>
@@ -13450,7 +13491,7 @@
                   <a16:creationId xmlns:a16="http://schemas.microsoft.com/office/drawing/2014/main" id="{42329880-D64F-4074-ABE4-348FDC7FB1F4}"/>
                 </a:ext>
                 <a:ext uri="{C183D7F6-B498-43B3-948B-1728B52AA6E4}">
-                  <adec:decorative xmlns:adec="http://schemas.microsoft.com/office/drawing/2017/decorative" val="1"/>
+                  <adec:decorative xmlns:adec="http://schemas.microsoft.com/office/drawing/2017/decorative" xmlns="" val="1"/>
                 </a:ext>
               </a:extLst>
             </p:cNvPr>
@@ -13526,7 +13567,7 @@
                   <a16:creationId xmlns:a16="http://schemas.microsoft.com/office/drawing/2014/main" id="{2FAD4595-5B16-442B-A756-924FB136A5C6}"/>
                 </a:ext>
                 <a:ext uri="{C183D7F6-B498-43B3-948B-1728B52AA6E4}">
-                  <adec:decorative xmlns:adec="http://schemas.microsoft.com/office/drawing/2017/decorative" val="1"/>
+                  <adec:decorative xmlns:adec="http://schemas.microsoft.com/office/drawing/2017/decorative" xmlns="" val="1"/>
                 </a:ext>
               </a:extLst>
             </p:cNvPr>
@@ -13613,7 +13654,7 @@
                 <a16:creationId xmlns:a16="http://schemas.microsoft.com/office/drawing/2014/main" id="{9F9B151E-1B34-4FA6-A53D-B92F787D9EAD}"/>
               </a:ext>
               <a:ext uri="{C183D7F6-B498-43B3-948B-1728B52AA6E4}">
-                <adec:decorative xmlns:adec="http://schemas.microsoft.com/office/drawing/2017/decorative" val="1"/>
+                <adec:decorative xmlns:adec="http://schemas.microsoft.com/office/drawing/2017/decorative" xmlns="" val="1"/>
               </a:ext>
             </a:extLst>
           </p:cNvPr>
@@ -13644,7 +13685,7 @@
                   <a16:creationId xmlns:a16="http://schemas.microsoft.com/office/drawing/2014/main" id="{617ED8F6-0AA2-4080-ADCB-6C7CE17598B9}"/>
                 </a:ext>
                 <a:ext uri="{C183D7F6-B498-43B3-948B-1728B52AA6E4}">
-                  <adec:decorative xmlns:adec="http://schemas.microsoft.com/office/drawing/2017/decorative" val="1"/>
+                  <adec:decorative xmlns:adec="http://schemas.microsoft.com/office/drawing/2017/decorative" xmlns="" val="1"/>
                 </a:ext>
               </a:extLst>
             </p:cNvPr>
@@ -13763,7 +13804,7 @@
                   <a16:creationId xmlns:a16="http://schemas.microsoft.com/office/drawing/2014/main" id="{76F017FD-AF02-4E22-A564-5DCC93F5368C}"/>
                 </a:ext>
                 <a:ext uri="{C183D7F6-B498-43B3-948B-1728B52AA6E4}">
-                  <adec:decorative xmlns:adec="http://schemas.microsoft.com/office/drawing/2017/decorative" val="1"/>
+                  <adec:decorative xmlns:adec="http://schemas.microsoft.com/office/drawing/2017/decorative" xmlns="" val="1"/>
                 </a:ext>
               </a:extLst>
             </p:cNvPr>
@@ -13847,7 +13888,7 @@
                   <a16:creationId xmlns:a16="http://schemas.microsoft.com/office/drawing/2014/main" id="{61F8A187-FAA8-4625-AC70-EE2C7499D5AB}"/>
                 </a:ext>
                 <a:ext uri="{C183D7F6-B498-43B3-948B-1728B52AA6E4}">
-                  <adec:decorative xmlns:adec="http://schemas.microsoft.com/office/drawing/2017/decorative" val="1"/>
+                  <adec:decorative xmlns:adec="http://schemas.microsoft.com/office/drawing/2017/decorative" xmlns="" val="1"/>
                 </a:ext>
               </a:extLst>
             </p:cNvPr>
@@ -13931,7 +13972,7 @@
                   <a16:creationId xmlns:a16="http://schemas.microsoft.com/office/drawing/2014/main" id="{6D431C21-669A-42BC-A2DF-9092CA729B25}"/>
                 </a:ext>
                 <a:ext uri="{C183D7F6-B498-43B3-948B-1728B52AA6E4}">
-                  <adec:decorative xmlns:adec="http://schemas.microsoft.com/office/drawing/2017/decorative" val="1"/>
+                  <adec:decorative xmlns:adec="http://schemas.microsoft.com/office/drawing/2017/decorative" xmlns="" val="1"/>
                 </a:ext>
               </a:extLst>
             </p:cNvPr>
@@ -14030,7 +14071,7 @@
                   <a16:creationId xmlns:a16="http://schemas.microsoft.com/office/drawing/2014/main" id="{D143DDDF-3A80-4C43-BBCF-8EC128010208}"/>
                 </a:ext>
                 <a:ext uri="{C183D7F6-B498-43B3-948B-1728B52AA6E4}">
-                  <adec:decorative xmlns:adec="http://schemas.microsoft.com/office/drawing/2017/decorative" val="1"/>
+                  <adec:decorative xmlns:adec="http://schemas.microsoft.com/office/drawing/2017/decorative" xmlns="" val="1"/>
                 </a:ext>
               </a:extLst>
             </p:cNvPr>
@@ -14139,7 +14180,7 @@
                   <a16:creationId xmlns:a16="http://schemas.microsoft.com/office/drawing/2014/main" id="{313BFF88-4BDD-4CC4-A514-C7D655779147}"/>
                 </a:ext>
                 <a:ext uri="{C183D7F6-B498-43B3-948B-1728B52AA6E4}">
-                  <adec:decorative xmlns:adec="http://schemas.microsoft.com/office/drawing/2017/decorative" val="1"/>
+                  <adec:decorative xmlns:adec="http://schemas.microsoft.com/office/drawing/2017/decorative" xmlns="" val="1"/>
                 </a:ext>
               </a:extLst>
             </p:cNvPr>
@@ -14203,7 +14244,7 @@
                   <a16:creationId xmlns:a16="http://schemas.microsoft.com/office/drawing/2014/main" id="{BA235B4A-F8AD-4C1E-9074-3562538136C5}"/>
                 </a:ext>
                 <a:ext uri="{C183D7F6-B498-43B3-948B-1728B52AA6E4}">
-                  <adec:decorative xmlns:adec="http://schemas.microsoft.com/office/drawing/2017/decorative" val="1"/>
+                  <adec:decorative xmlns:adec="http://schemas.microsoft.com/office/drawing/2017/decorative" xmlns="" val="1"/>
                 </a:ext>
               </a:extLst>
             </p:cNvPr>
@@ -14282,7 +14323,7 @@
                   <a16:creationId xmlns:a16="http://schemas.microsoft.com/office/drawing/2014/main" id="{281D9204-5CB0-44D1-B01F-5FFF6BDB2883}"/>
                 </a:ext>
                 <a:ext uri="{C183D7F6-B498-43B3-948B-1728B52AA6E4}">
-                  <adec:decorative xmlns:adec="http://schemas.microsoft.com/office/drawing/2017/decorative" val="1"/>
+                  <adec:decorative xmlns:adec="http://schemas.microsoft.com/office/drawing/2017/decorative" xmlns="" val="1"/>
                 </a:ext>
               </a:extLst>
             </p:cNvPr>
@@ -14406,7 +14447,7 @@
                   <a16:creationId xmlns:a16="http://schemas.microsoft.com/office/drawing/2014/main" id="{4DD213C5-5C2A-403A-AAEF-E495E64AEB9B}"/>
                 </a:ext>
                 <a:ext uri="{C183D7F6-B498-43B3-948B-1728B52AA6E4}">
-                  <adec:decorative xmlns:adec="http://schemas.microsoft.com/office/drawing/2017/decorative" val="1"/>
+                  <adec:decorative xmlns:adec="http://schemas.microsoft.com/office/drawing/2017/decorative" xmlns="" val="1"/>
                 </a:ext>
               </a:extLst>
             </p:cNvPr>
@@ -14470,7 +14511,7 @@
                   <a16:creationId xmlns:a16="http://schemas.microsoft.com/office/drawing/2014/main" id="{3D07FF46-5E32-4BEE-B85D-107AD341D480}"/>
                 </a:ext>
                 <a:ext uri="{C183D7F6-B498-43B3-948B-1728B52AA6E4}">
-                  <adec:decorative xmlns:adec="http://schemas.microsoft.com/office/drawing/2017/decorative" val="1"/>
+                  <adec:decorative xmlns:adec="http://schemas.microsoft.com/office/drawing/2017/decorative" xmlns="" val="1"/>
                 </a:ext>
               </a:extLst>
             </p:cNvPr>
@@ -14554,7 +14595,7 @@
                   <a16:creationId xmlns:a16="http://schemas.microsoft.com/office/drawing/2014/main" id="{4E5AE900-6815-4A65-9A96-CA280B3A8DF3}"/>
                 </a:ext>
                 <a:ext uri="{C183D7F6-B498-43B3-948B-1728B52AA6E4}">
-                  <adec:decorative xmlns:adec="http://schemas.microsoft.com/office/drawing/2017/decorative" val="1"/>
+                  <adec:decorative xmlns:adec="http://schemas.microsoft.com/office/drawing/2017/decorative" xmlns="" val="1"/>
                 </a:ext>
               </a:extLst>
             </p:cNvPr>
@@ -14633,7 +14674,7 @@
                   <a16:creationId xmlns:a16="http://schemas.microsoft.com/office/drawing/2014/main" id="{45EA57FC-ADA4-45DD-98E7-B0615C5306F6}"/>
                 </a:ext>
                 <a:ext uri="{C183D7F6-B498-43B3-948B-1728B52AA6E4}">
-                  <adec:decorative xmlns:adec="http://schemas.microsoft.com/office/drawing/2017/decorative" val="1"/>
+                  <adec:decorative xmlns:adec="http://schemas.microsoft.com/office/drawing/2017/decorative" xmlns="" val="1"/>
                 </a:ext>
               </a:extLst>
             </p:cNvPr>
@@ -14718,7 +14759,7 @@
                 <a16:creationId xmlns:a16="http://schemas.microsoft.com/office/drawing/2014/main" id="{9FFA7C60-EEB5-45DC-B964-20A76F776EF5}"/>
               </a:ext>
               <a:ext uri="{C183D7F6-B498-43B3-948B-1728B52AA6E4}">
-                <adec:decorative xmlns:adec="http://schemas.microsoft.com/office/drawing/2017/decorative" val="1"/>
+                <adec:decorative xmlns:adec="http://schemas.microsoft.com/office/drawing/2017/decorative" xmlns="" val="1"/>
               </a:ext>
             </a:extLst>
           </p:cNvPr>
@@ -14772,7 +14813,7 @@
                 <a16:creationId xmlns:a16="http://schemas.microsoft.com/office/drawing/2014/main" id="{7D84F46B-82DB-461C-88AC-F6C66B593E2C}"/>
               </a:ext>
               <a:ext uri="{C183D7F6-B498-43B3-948B-1728B52AA6E4}">
-                <adec:decorative xmlns:adec="http://schemas.microsoft.com/office/drawing/2017/decorative" val="1"/>
+                <adec:decorative xmlns:adec="http://schemas.microsoft.com/office/drawing/2017/decorative" xmlns="" val="1"/>
               </a:ext>
             </a:extLst>
           </p:cNvPr>
